--- a/ALGORITHMIC POST-COVD TRADING STRATEGY.pptx
+++ b/ALGORITHMIC POST-COVD TRADING STRATEGY.pptx
@@ -129,7 +129,7 @@
 <file path=ppt/revisionInfo.xml><?xml version="1.0" encoding="utf-8"?>
 <p1510:revInfo xmlns:a="http://schemas.openxmlformats.org/drawingml/2006/main" xmlns:r="http://schemas.openxmlformats.org/officeDocument/2006/relationships" xmlns:p1510="http://schemas.microsoft.com/office/powerpoint/2015/10/main">
   <p1510:revLst>
-    <p1510:client id="{0965077D-5D4B-438C-A88C-DDC5965C209F}" v="1551" dt="2020-10-02T22:06:39.001"/>
+    <p1510:client id="{0965077D-5D4B-438C-A88C-DDC5965C209F}" v="1610" dt="2020-10-03T12:58:24.661"/>
   </p1510:revLst>
 </p1510:revInfo>
 </file>
@@ -7303,7 +7303,7 @@
           </a:pPr>
           <a:r>
             <a:rPr lang="en-US" sz="800" dirty="0"/>
-            <a:t>SP500 with features</a:t>
+            <a:t>PCA screen+ features</a:t>
           </a:r>
           <a:endParaRPr lang="en-CA" sz="800" dirty="0"/>
         </a:p>
@@ -7701,7 +7701,7 @@
       <dgm:spPr/>
     </dgm:pt>
     <dgm:pt modelId="{FD403D69-A105-4AE6-A8BD-029C4CE9EAE4}" type="pres">
-      <dgm:prSet presAssocID="{F6376277-13E9-41BF-8A42-9D102B68E2AE}" presName="ChildText" presStyleLbl="revTx" presStyleIdx="0" presStyleCnt="6" custScaleX="195124" custLinFactNeighborX="36633" custLinFactNeighborY="4486">
+      <dgm:prSet presAssocID="{F6376277-13E9-41BF-8A42-9D102B68E2AE}" presName="ChildText" presStyleLbl="revTx" presStyleIdx="0" presStyleCnt="6" custScaleX="195124" custLinFactNeighborX="56395" custLinFactNeighborY="8720">
         <dgm:presLayoutVars>
           <dgm:chMax val="0"/>
           <dgm:chPref val="0"/>
@@ -7733,7 +7733,7 @@
       <dgm:spPr/>
     </dgm:pt>
     <dgm:pt modelId="{9A4B9200-5E60-4C2E-A0D5-1E67D9A84C63}" type="pres">
-      <dgm:prSet presAssocID="{17D98F3A-E405-4039-A630-ABDAF0AD5F3E}" presName="ChildText" presStyleLbl="revTx" presStyleIdx="1" presStyleCnt="6" custScaleX="139308" custLinFactNeighborX="19807" custLinFactNeighborY="2355">
+      <dgm:prSet presAssocID="{17D98F3A-E405-4039-A630-ABDAF0AD5F3E}" presName="ChildText" presStyleLbl="revTx" presStyleIdx="1" presStyleCnt="6" custScaleX="170611" custLinFactNeighborX="37922" custLinFactNeighborY="2355">
         <dgm:presLayoutVars>
           <dgm:chMax val="0"/>
           <dgm:chPref val="0"/>
@@ -7765,7 +7765,7 @@
       <dgm:spPr/>
     </dgm:pt>
     <dgm:pt modelId="{C362C1E7-D022-4CA5-B1DC-D5B152BAD3E5}" type="pres">
-      <dgm:prSet presAssocID="{CC3DF8BD-8012-464F-BAB2-79F3D2FCD034}" presName="ChildText" presStyleLbl="revTx" presStyleIdx="2" presStyleCnt="6">
+      <dgm:prSet presAssocID="{CC3DF8BD-8012-464F-BAB2-79F3D2FCD034}" presName="ChildText" presStyleLbl="revTx" presStyleIdx="2" presStyleCnt="6" custScaleX="157246" custLinFactNeighborX="26350" custLinFactNeighborY="-1228">
         <dgm:presLayoutVars>
           <dgm:chMax val="0"/>
           <dgm:chPref val="0"/>
@@ -7797,7 +7797,7 @@
       <dgm:spPr/>
     </dgm:pt>
     <dgm:pt modelId="{894ED03C-D0A1-4A7E-B3F0-97D9127E1541}" type="pres">
-      <dgm:prSet presAssocID="{F499289C-86BA-4AE1-B8E9-361D52727D81}" presName="ChildText" presStyleLbl="revTx" presStyleIdx="3" presStyleCnt="6" custScaleX="195792" custLinFactNeighborX="55988" custLinFactNeighborY="2355">
+      <dgm:prSet presAssocID="{F499289C-86BA-4AE1-B8E9-361D52727D81}" presName="ChildText" presStyleLbl="revTx" presStyleIdx="3" presStyleCnt="6" custScaleX="262371" custLinFactNeighborX="89653" custLinFactNeighborY="4472">
         <dgm:presLayoutVars>
           <dgm:chMax val="0"/>
           <dgm:chPref val="0"/>
@@ -7829,7 +7829,7 @@
       <dgm:spPr/>
     </dgm:pt>
     <dgm:pt modelId="{65D6E233-A0EA-40A5-B03E-E1616FD35F0C}" type="pres">
-      <dgm:prSet presAssocID="{E871F61B-C7BA-49CF-BF94-99CE1EB7A05F}" presName="ChildText" presStyleLbl="revTx" presStyleIdx="4" presStyleCnt="6">
+      <dgm:prSet presAssocID="{E871F61B-C7BA-49CF-BF94-99CE1EB7A05F}" presName="ChildText" presStyleLbl="revTx" presStyleIdx="4" presStyleCnt="6" custScaleX="168024" custLinFactNeighborX="37877" custLinFactNeighborY="6351">
         <dgm:presLayoutVars>
           <dgm:chMax val="0"/>
           <dgm:chPref val="0"/>
@@ -11532,7 +11532,7 @@
       </dsp:nvSpPr>
       <dsp:spPr>
         <a:xfrm>
-          <a:off x="874717" y="92087"/>
+          <a:off x="975386" y="108864"/>
           <a:ext cx="993968" cy="396247"/>
         </a:xfrm>
         <a:prstGeom prst="rect">
@@ -11582,7 +11582,7 @@
         </a:p>
       </dsp:txBody>
       <dsp:txXfrm>
-        <a:off x="874717" y="92087"/>
+        <a:off x="975386" y="108864"/>
         <a:ext cx="993968" cy="396247"/>
       </dsp:txXfrm>
     </dsp:sp>
@@ -11725,8 +11725,8 @@
       </dsp:nvSpPr>
       <dsp:spPr>
         <a:xfrm>
-          <a:off x="1628171" y="634363"/>
-          <a:ext cx="709639" cy="396247"/>
+          <a:off x="1640720" y="634363"/>
+          <a:ext cx="869098" cy="396247"/>
         </a:xfrm>
         <a:prstGeom prst="rect">
           <a:avLst/>
@@ -11769,14 +11769,14 @@
           </a:pPr>
           <a:r>
             <a:rPr lang="en-US" sz="800" kern="1200" dirty="0"/>
-            <a:t>SP500 with features</a:t>
+            <a:t>PCA screen+ features</a:t>
           </a:r>
           <a:endParaRPr lang="en-CA" sz="800" kern="1200" dirty="0"/>
         </a:p>
       </dsp:txBody>
       <dsp:txXfrm>
-        <a:off x="1628171" y="634363"/>
-        <a:ext cx="709639" cy="396247"/>
+        <a:off x="1640720" y="634363"/>
+        <a:ext cx="869098" cy="396247"/>
       </dsp:txXfrm>
     </dsp:sp>
     <dsp:sp modelId="{53CCC197-FEB5-4CCE-A197-9D85C23CECC2}">
@@ -11918,8 +11918,8 @@
       </dsp:nvSpPr>
       <dsp:spPr>
         <a:xfrm>
-          <a:off x="2324392" y="1175752"/>
-          <a:ext cx="509403" cy="396247"/>
+          <a:off x="2312813" y="1170886"/>
+          <a:ext cx="801016" cy="396247"/>
         </a:xfrm>
         <a:prstGeom prst="rect">
           <a:avLst/>
@@ -11968,8 +11968,8 @@
         </a:p>
       </dsp:txBody>
       <dsp:txXfrm>
-        <a:off x="2324392" y="1175752"/>
-        <a:ext cx="509403" cy="396247"/>
+        <a:off x="2312813" y="1170886"/>
+        <a:ext cx="801016" cy="396247"/>
       </dsp:txXfrm>
     </dsp:sp>
     <dsp:sp modelId="{5D73BC76-84E9-4DB0-AF85-3B7C96E6176E}">
@@ -12111,8 +12111,8 @@
       </dsp:nvSpPr>
       <dsp:spPr>
         <a:xfrm>
-          <a:off x="3062614" y="1735803"/>
-          <a:ext cx="997371" cy="396247"/>
+          <a:off x="3064527" y="1744192"/>
+          <a:ext cx="1336527" cy="396247"/>
         </a:xfrm>
         <a:prstGeom prst="rect">
           <a:avLst/>
@@ -12165,8 +12165,8 @@
         </a:p>
       </dsp:txBody>
       <dsp:txXfrm>
-        <a:off x="3062614" y="1735803"/>
-        <a:ext cx="997371" cy="396247"/>
+        <a:off x="3064527" y="1744192"/>
+        <a:ext cx="1336527" cy="396247"/>
       </dsp:txXfrm>
     </dsp:sp>
     <dsp:sp modelId="{35A5170A-823E-463C-AC70-105A44D3F949}">
@@ -12308,8 +12308,8 @@
       </dsp:nvSpPr>
       <dsp:spPr>
         <a:xfrm>
-          <a:off x="3718394" y="2277192"/>
-          <a:ext cx="509403" cy="396247"/>
+          <a:off x="3738082" y="2302357"/>
+          <a:ext cx="855920" cy="396247"/>
         </a:xfrm>
         <a:prstGeom prst="rect">
           <a:avLst/>
@@ -12358,8 +12358,8 @@
         </a:p>
       </dsp:txBody>
       <dsp:txXfrm>
-        <a:off x="3718394" y="2277192"/>
-        <a:ext cx="509403" cy="396247"/>
+        <a:off x="3738082" y="2302357"/>
+        <a:ext cx="855920" cy="396247"/>
       </dsp:txXfrm>
     </dsp:sp>
     <dsp:sp modelId="{85F04E63-D399-49D9-8C56-243F24D8354E}">
@@ -21174,7 +21174,7 @@
           <a:p>
             <a:fld id="{EA0C0817-A112-4847-8014-A94B7D2A4EA3}" type="datetime1">
               <a:rPr lang="en-US" smtClean="0"/>
-              <a:t>10/1/2020</a:t>
+              <a:t>10/3/2020</a:t>
             </a:fld>
             <a:endParaRPr lang="en-US" dirty="0"/>
           </a:p>
@@ -21376,7 +21376,7 @@
           <a:p>
             <a:fld id="{7332B432-ACDA-4023-A761-2BAB76577B62}" type="datetime1">
               <a:rPr lang="en-US" smtClean="0"/>
-              <a:t>10/1/2020</a:t>
+              <a:t>10/3/2020</a:t>
             </a:fld>
             <a:endParaRPr lang="en-US" dirty="0"/>
           </a:p>
@@ -21975,7 +21975,7 @@
           <a:p>
             <a:fld id="{D9C646AA-F36E-4540-911D-FFFC0A0EF24A}" type="datetime1">
               <a:rPr lang="en-US" smtClean="0"/>
-              <a:t>10/1/2020</a:t>
+              <a:t>10/3/2020</a:t>
             </a:fld>
             <a:endParaRPr lang="en-US" dirty="0"/>
           </a:p>
@@ -22295,7 +22295,7 @@
           <a:p>
             <a:fld id="{69186D26-FA5F-4637-B602-B7C2DC34CFD4}" type="datetime1">
               <a:rPr lang="en-US" smtClean="0"/>
-              <a:t>10/1/2020</a:t>
+              <a:t>10/3/2020</a:t>
             </a:fld>
             <a:endParaRPr lang="en-US" dirty="0"/>
           </a:p>
@@ -22732,7 +22732,7 @@
           <a:p>
             <a:fld id="{8A7F15D8-96D1-4781-BC50-CA8A088B2FE4}" type="datetime1">
               <a:rPr lang="en-US" smtClean="0"/>
-              <a:t>10/1/2020</a:t>
+              <a:t>10/3/2020</a:t>
             </a:fld>
             <a:endParaRPr lang="en-US" dirty="0"/>
           </a:p>
@@ -22850,7 +22850,7 @@
           <a:p>
             <a:fld id="{F9A96C99-B8F8-4528-BD05-0E16E943DC09}" type="datetime1">
               <a:rPr lang="en-US" smtClean="0"/>
-              <a:t>10/1/2020</a:t>
+              <a:t>10/3/2020</a:t>
             </a:fld>
             <a:endParaRPr lang="en-US" dirty="0"/>
           </a:p>
@@ -22945,7 +22945,7 @@
           <a:p>
             <a:fld id="{03636942-C211-4B28-8DBD-C953E00AF71B}" type="datetime1">
               <a:rPr lang="en-US" smtClean="0"/>
-              <a:t>10/1/2020</a:t>
+              <a:t>10/3/2020</a:t>
             </a:fld>
             <a:endParaRPr lang="en-US" dirty="0"/>
           </a:p>
@@ -23362,7 +23362,7 @@
           <a:p>
             <a:fld id="{7E8D12A6-918A-48BD-8CB9-CA713993B0EA}" type="datetime1">
               <a:rPr lang="en-US" smtClean="0"/>
-              <a:t>10/1/2020</a:t>
+              <a:t>10/3/2020</a:t>
             </a:fld>
             <a:endParaRPr lang="en-US" dirty="0"/>
           </a:p>
@@ -23624,7 +23624,7 @@
             <a:fld id="{E778CE86-875F-4587-BCF6-FA054AFC0D53}" type="datetime1">
               <a:rPr lang="en-US" smtClean="0"/>
               <a:pPr/>
-              <a:t>10/1/2020</a:t>
+              <a:t>10/3/2020</a:t>
             </a:fld>
             <a:endParaRPr lang="en-US" dirty="0"/>
           </a:p>
@@ -24140,7 +24140,7 @@
           <a:p>
             <a:fld id="{F6FA2B21-3FCD-4721-B95C-427943F61125}" type="datetime1">
               <a:rPr lang="en-US" smtClean="0"/>
-              <a:t>10/1/2020</a:t>
+              <a:t>10/3/2020</a:t>
             </a:fld>
             <a:endParaRPr lang="en-US" dirty="0"/>
           </a:p>
@@ -25007,14 +25007,14 @@
             <p:ph idx="1"/>
             <p:extLst>
               <p:ext uri="{D42A27DB-BD31-4B8C-83A1-F6EECF244321}">
-                <p14:modId xmlns:p14="http://schemas.microsoft.com/office/powerpoint/2010/main" val="267654075"/>
+                <p14:modId xmlns:p14="http://schemas.microsoft.com/office/powerpoint/2010/main" val="1900189419"/>
               </p:ext>
             </p:extLst>
           </p:nvPr>
         </p:nvGraphicFramePr>
         <p:xfrm>
           <a:off x="571849" y="2304773"/>
-          <a:ext cx="3723313" cy="1772920"/>
+          <a:ext cx="3723313" cy="1407160"/>
         </p:xfrm>
         <a:graphic>
           <a:graphicData uri="http://schemas.openxmlformats.org/drawingml/2006/table">
@@ -25080,10 +25080,10 @@
                     <a:lstStyle/>
                     <a:p>
                       <a:r>
-                        <a:rPr lang="en-US" sz="1600" dirty="0"/>
-                        <a:t>Technical (6)</a:t>
+                        <a:rPr lang="en-US" sz="1400" dirty="0"/>
+                        <a:t>Technical</a:t>
                       </a:r>
-                      <a:endParaRPr lang="en-CA" sz="1600" dirty="0"/>
+                      <a:endParaRPr lang="en-CA" sz="1400" dirty="0"/>
                     </a:p>
                   </a:txBody>
                   <a:tcPr/>
@@ -25094,10 +25094,10 @@
                     <a:lstStyle/>
                     <a:p>
                       <a:r>
-                        <a:rPr lang="en-US" sz="1600" dirty="0"/>
+                        <a:rPr lang="en-US" sz="1400" dirty="0"/>
                         <a:t>MA, EMA, STOK, STOD, BOL,ROC,MOM</a:t>
                       </a:r>
-                      <a:endParaRPr lang="en-CA" sz="1600" dirty="0"/>
+                      <a:endParaRPr lang="en-CA" sz="1400" dirty="0"/>
                     </a:p>
                   </a:txBody>
                   <a:tcPr/>
@@ -25115,10 +25115,10 @@
                     <a:lstStyle/>
                     <a:p>
                       <a:r>
-                        <a:rPr lang="en-US" sz="1600" dirty="0"/>
+                        <a:rPr lang="en-US" sz="1400" dirty="0"/>
                         <a:t>Fundamental</a:t>
                       </a:r>
-                      <a:endParaRPr lang="en-CA" sz="1600" dirty="0"/>
+                      <a:endParaRPr lang="en-CA" sz="1400" dirty="0"/>
                     </a:p>
                   </a:txBody>
                   <a:tcPr/>
@@ -25129,10 +25129,10 @@
                     <a:lstStyle/>
                     <a:p>
                       <a:r>
-                        <a:rPr lang="en-US" sz="1600" dirty="0"/>
+                        <a:rPr lang="en-US" sz="1400" dirty="0"/>
                         <a:t>EV/EBIT, MC, P/B, P/E, P/S</a:t>
                       </a:r>
-                      <a:endParaRPr lang="en-CA" sz="1600" dirty="0"/>
+                      <a:endParaRPr lang="en-CA" sz="1400" dirty="0"/>
                     </a:p>
                   </a:txBody>
                   <a:tcPr/>
@@ -25507,7 +25507,7 @@
           <p:nvPr>
             <p:extLst>
               <p:ext uri="{D42A27DB-BD31-4B8C-83A1-F6EECF244321}">
-                <p14:modId xmlns:p14="http://schemas.microsoft.com/office/powerpoint/2010/main" val="581542652"/>
+                <p14:modId xmlns:p14="http://schemas.microsoft.com/office/powerpoint/2010/main" val="4061925974"/>
               </p:ext>
             </p:extLst>
           </p:nvPr>
@@ -27079,7 +27079,7 @@
               <a:rPr lang="en-US" dirty="0">
                 <a:sym typeface="Wingdings" panose="05000000000000000000" pitchFamily="2" charset="2"/>
               </a:rPr>
-              <a:t>WE FINALLY HAVE A TEN STOCK PORTFOLIO WITH HIGH RMSE THAT EVEN VISUALLY PREDICTS PERFOMANCE WELL</a:t>
+              <a:t>WE HAVE TEN STOCK PORTFOLIO WITH HIGH RMSE THAT EVEN VISUALLY PREDICTS PERFOMANCE WELL</a:t>
             </a:r>
           </a:p>
           <a:p>
@@ -27935,7 +27935,7 @@
         <p:spPr>
           <a:xfrm>
             <a:off x="4781725" y="4626877"/>
-            <a:ext cx="6898474" cy="1805623"/>
+            <a:ext cx="6898474" cy="1384995"/>
           </a:xfrm>
           <a:prstGeom prst="rect">
             <a:avLst/>
@@ -28138,7 +28138,7 @@
                 </a:solidFill>
                 <a:latin typeface="Lato"/>
               </a:rPr>
-              <a:t>Massive rotation to tech related stocks - perceived ability of weathering uncertainty</a:t>
+              <a:t>Massive rotation to mega-tech - perceived ability of weathering uncertainty</a:t>
             </a:r>
           </a:p>
           <a:p>
@@ -28157,7 +28157,7 @@
                 </a:solidFill>
                 <a:latin typeface="Lato"/>
               </a:rPr>
-              <a:t>Five most valuable companies - account for xx % of market cap </a:t>
+              <a:t>Ten most valuable companies - ~30 % of S&amp;P500 capitalization</a:t>
             </a:r>
           </a:p>
           <a:p>
@@ -28178,14 +28178,6 @@
               </a:rPr>
               <a:t>Under-performance in cyclical sectors like financials and industrials</a:t>
             </a:r>
-          </a:p>
-          <a:p>
-            <a:endParaRPr lang="en-US" sz="1400" dirty="0">
-              <a:solidFill>
-                <a:srgbClr val="444444"/>
-              </a:solidFill>
-              <a:latin typeface="Lato"/>
-            </a:endParaRPr>
           </a:p>
         </p:txBody>
       </p:sp>
@@ -28441,6 +28433,62 @@
                 <a:schemeClr val="tx1"/>
               </a:solidFill>
             </a:endParaRPr>
+          </a:p>
+        </p:txBody>
+      </p:sp>
+      <p:sp>
+        <p:nvSpPr>
+          <p:cNvPr id="3" name="TextBox 2">
+            <a:extLst>
+              <a:ext uri="{FF2B5EF4-FFF2-40B4-BE49-F238E27FC236}">
+                <a16:creationId xmlns:a16="http://schemas.microsoft.com/office/drawing/2014/main" id="{FFA3E00D-0070-4274-B542-F3BDD476D8AD}"/>
+              </a:ext>
+            </a:extLst>
+          </p:cNvPr>
+          <p:cNvSpPr txBox="1"/>
+          <p:nvPr/>
+        </p:nvSpPr>
+        <p:spPr>
+          <a:xfrm>
+            <a:off x="4433634" y="6043591"/>
+            <a:ext cx="6898474" cy="261610"/>
+          </a:xfrm>
+          <a:prstGeom prst="rect">
+            <a:avLst/>
+          </a:prstGeom>
+          <a:noFill/>
+        </p:spPr>
+        <p:txBody>
+          <a:bodyPr wrap="square" rtlCol="0">
+            <a:spAutoFit/>
+          </a:bodyPr>
+          <a:lstStyle/>
+          <a:p>
+            <a:r>
+              <a:rPr lang="en-US" sz="1050" dirty="0"/>
+              <a:t>source: </a:t>
+            </a:r>
+            <a:r>
+              <a:rPr lang="en-US" sz="1050" dirty="0">
+                <a:hlinkClick r:id="rId7"/>
+              </a:rPr>
+              <a:t>https://novelinvestor.com/sector-performance/</a:t>
+            </a:r>
+            <a:r>
+              <a:rPr lang="en-US" sz="1050" dirty="0"/>
+              <a:t>; </a:t>
+            </a:r>
+            <a:r>
+              <a:rPr lang="en-US" sz="1050" dirty="0">
+                <a:hlinkClick r:id="rId8"/>
+              </a:rPr>
+              <a:t>www.forbes.com</a:t>
+            </a:r>
+            <a:r>
+              <a:rPr lang="en-US" sz="1050" dirty="0"/>
+              <a:t> </a:t>
+            </a:r>
+            <a:endParaRPr lang="en-CA" sz="1050" dirty="0"/>
           </a:p>
         </p:txBody>
       </p:sp>
@@ -28793,6 +28841,57 @@
               <a:t>Reasonableness check necessary at every level</a:t>
             </a:r>
             <a:endParaRPr lang="en-CA" sz="1600" b="1" u="sng" dirty="0"/>
+          </a:p>
+        </p:txBody>
+      </p:sp>
+      <p:sp>
+        <p:nvSpPr>
+          <p:cNvPr id="3" name="TextBox 2">
+            <a:extLst>
+              <a:ext uri="{FF2B5EF4-FFF2-40B4-BE49-F238E27FC236}">
+                <a16:creationId xmlns:a16="http://schemas.microsoft.com/office/drawing/2014/main" id="{FC1F4C68-29D8-47D1-A996-8E5156B66A30}"/>
+              </a:ext>
+            </a:extLst>
+          </p:cNvPr>
+          <p:cNvSpPr txBox="1"/>
+          <p:nvPr/>
+        </p:nvSpPr>
+        <p:spPr>
+          <a:xfrm>
+            <a:off x="425324" y="5953797"/>
+            <a:ext cx="6898474" cy="415498"/>
+          </a:xfrm>
+          <a:prstGeom prst="rect">
+            <a:avLst/>
+          </a:prstGeom>
+          <a:noFill/>
+        </p:spPr>
+        <p:txBody>
+          <a:bodyPr wrap="square" rtlCol="0">
+            <a:spAutoFit/>
+          </a:bodyPr>
+          <a:lstStyle/>
+          <a:p>
+            <a:r>
+              <a:rPr lang="en-US" sz="1050" dirty="0"/>
+              <a:t>source: </a:t>
+            </a:r>
+            <a:r>
+              <a:rPr lang="en-US" sz="1050" dirty="0">
+                <a:hlinkClick r:id="rId8"/>
+              </a:rPr>
+              <a:t>www.medium.com</a:t>
+            </a:r>
+            <a:r>
+              <a:rPr lang="en-US" sz="1050" dirty="0"/>
+              <a:t>;  </a:t>
+            </a:r>
+          </a:p>
+          <a:p>
+            <a:r>
+              <a:rPr lang="en-CA" sz="1050" dirty="0"/>
+              <a:t>https://towardsdatascience.com/stock-market-analytics-with-pca-d1c2318e3f0e</a:t>
+            </a:r>
           </a:p>
         </p:txBody>
       </p:sp>
@@ -29818,6 +29917,15 @@
 </file>
 
 <file path=customXml/item2.xml><?xml version="1.0" encoding="utf-8"?>
+<p:properties xmlns:p="http://schemas.microsoft.com/office/2006/metadata/properties" xmlns:xsi="http://www.w3.org/2001/XMLSchema-instance" xmlns:pc="http://schemas.microsoft.com/office/infopath/2007/PartnerControls">
+  <documentManagement>
+    <Status xmlns="71af3243-3dd4-4a8d-8c0d-dd76da1f02a5">Not started</Status>
+    <MediaServiceKeyPoints xmlns="71af3243-3dd4-4a8d-8c0d-dd76da1f02a5" xsi:nil="true"/>
+  </documentManagement>
+</p:properties>
+</file>
+
+<file path=customXml/item3.xml><?xml version="1.0" encoding="utf-8"?>
 <ct:contentTypeSchema xmlns:ct="http://schemas.microsoft.com/office/2006/metadata/contentType" xmlns:ma="http://schemas.microsoft.com/office/2006/metadata/properties/metaAttributes" ct:_="" ma:_="" ma:contentTypeName="Document" ma:contentTypeID="0x01010079F111ED35F8CC479449609E8A0923A6" ma:contentTypeVersion="12" ma:contentTypeDescription="Create a new document." ma:contentTypeScope="" ma:versionID="a410dd7f93c95333ffa1b60ed6adedd1">
   <xsd:schema xmlns:xsd="http://www.w3.org/2001/XMLSchema" xmlns:xs="http://www.w3.org/2001/XMLSchema" xmlns:p="http://schemas.microsoft.com/office/2006/metadata/properties" xmlns:ns2="71af3243-3dd4-4a8d-8c0d-dd76da1f02a5" xmlns:ns3="16c05727-aa75-4e4a-9b5f-8a80a1165891" targetNamespace="http://schemas.microsoft.com/office/2006/metadata/properties" ma:root="true" ma:fieldsID="a936d9baba76aa3866493feff160faab" ns2:_="" ns3:_="">
     <xsd:import namespace="71af3243-3dd4-4a8d-8c0d-dd76da1f02a5"/>
@@ -30038,15 +30146,6 @@
 </ct:contentTypeSchema>
 </file>
 
-<file path=customXml/item3.xml><?xml version="1.0" encoding="utf-8"?>
-<p:properties xmlns:p="http://schemas.microsoft.com/office/2006/metadata/properties" xmlns:xsi="http://www.w3.org/2001/XMLSchema-instance" xmlns:pc="http://schemas.microsoft.com/office/infopath/2007/PartnerControls">
-  <documentManagement>
-    <Status xmlns="71af3243-3dd4-4a8d-8c0d-dd76da1f02a5">Not started</Status>
-    <MediaServiceKeyPoints xmlns="71af3243-3dd4-4a8d-8c0d-dd76da1f02a5" xsi:nil="true"/>
-  </documentManagement>
-</p:properties>
-</file>
-
 <file path=customXml/itemProps1.xml><?xml version="1.0" encoding="utf-8"?>
 <ds:datastoreItem xmlns:ds="http://schemas.openxmlformats.org/officeDocument/2006/customXml" ds:itemID="{7745B92C-4D89-4324-B52D-E1F5F627B790}">
   <ds:schemaRefs>
@@ -30056,6 +30155,16 @@
 </file>
 
 <file path=customXml/itemProps2.xml><?xml version="1.0" encoding="utf-8"?>
+<ds:datastoreItem xmlns:ds="http://schemas.openxmlformats.org/officeDocument/2006/customXml" ds:itemID="{E7228C0C-F774-4270-99CB-314B07EBFBE7}">
+  <ds:schemaRefs>
+    <ds:schemaRef ds:uri="http://schemas.microsoft.com/office/2006/metadata/properties"/>
+    <ds:schemaRef ds:uri="http://schemas.microsoft.com/office/infopath/2007/PartnerControls"/>
+    <ds:schemaRef ds:uri="71af3243-3dd4-4a8d-8c0d-dd76da1f02a5"/>
+  </ds:schemaRefs>
+</ds:datastoreItem>
+</file>
+
+<file path=customXml/itemProps3.xml><?xml version="1.0" encoding="utf-8"?>
 <ds:datastoreItem xmlns:ds="http://schemas.openxmlformats.org/officeDocument/2006/customXml" ds:itemID="{E4487CEA-7875-4327-875F-CA3B32E8009E}">
   <ds:schemaRefs>
     <ds:schemaRef ds:uri="http://schemas.microsoft.com/office/2006/metadata/contentType"/>
@@ -30072,14 +30181,4 @@
     <ds:schemaRef ds:uri="http://schemas.microsoft.com/internal/obd"/>
   </ds:schemaRefs>
 </ds:datastoreItem>
-</file>
-
-<file path=customXml/itemProps3.xml><?xml version="1.0" encoding="utf-8"?>
-<ds:datastoreItem xmlns:ds="http://schemas.openxmlformats.org/officeDocument/2006/customXml" ds:itemID="{E7228C0C-F774-4270-99CB-314B07EBFBE7}">
-  <ds:schemaRefs>
-    <ds:schemaRef ds:uri="http://schemas.microsoft.com/office/2006/metadata/properties"/>
-    <ds:schemaRef ds:uri="http://schemas.microsoft.com/office/infopath/2007/PartnerControls"/>
-    <ds:schemaRef ds:uri="71af3243-3dd4-4a8d-8c0d-dd76da1f02a5"/>
-  </ds:schemaRefs>
-</ds:datastoreItem>
 </file>